--- a/PhytonProject.pptx
+++ b/PhytonProject.pptx
@@ -5894,7 +5894,7 @@
         <p:spPr>
           <a:xfrm>
             <a:off x="643464" y="639097"/>
-            <a:ext cx="4789678" cy="3746634"/>
+            <a:ext cx="4789678" cy="2264359"/>
           </a:xfrm>
           <a:prstGeom prst="rect">
             <a:avLst/>
@@ -12194,7 +12194,7 @@
         </p:nvSpPr>
         <p:spPr>
           <a:xfrm>
-            <a:off x="2643601" y="4758427"/>
+            <a:off x="2714669" y="3231285"/>
             <a:ext cx="6097904" cy="923330"/>
           </a:xfrm>
           <a:prstGeom prst="rect">
@@ -12237,6 +12237,109 @@
               <a:rPr lang="en-US" dirty="0"/>
               <a:t>()</a:t>
             </a:r>
+          </a:p>
+        </p:txBody>
+      </p:sp>
+      <p:sp>
+        <p:nvSpPr>
+          <p:cNvPr id="16" name="TextBox 15">
+            <a:extLst>
+              <a:ext uri="{FF2B5EF4-FFF2-40B4-BE49-F238E27FC236}">
+                <a16:creationId xmlns:a16="http://schemas.microsoft.com/office/drawing/2014/main" id="{3077A8CB-1B3E-9631-BE6F-721548F3ECD3}"/>
+              </a:ext>
+            </a:extLst>
+          </p:cNvPr>
+          <p:cNvSpPr txBox="1"/>
+          <p:nvPr/>
+        </p:nvSpPr>
+        <p:spPr>
+          <a:xfrm>
+            <a:off x="420093" y="4482444"/>
+            <a:ext cx="6097904" cy="1960537"/>
+          </a:xfrm>
+          <a:prstGeom prst="rect">
+            <a:avLst/>
+          </a:prstGeom>
+          <a:noFill/>
+        </p:spPr>
+        <p:txBody>
+          <a:bodyPr wrap="square">
+            <a:spAutoFit/>
+          </a:bodyPr>
+          <a:lstStyle/>
+          <a:p>
+            <a:pPr marL="0" marR="0" fontAlgn="base" latinLnBrk="1">
+              <a:lnSpc>
+                <a:spcPct val="107000"/>
+              </a:lnSpc>
+              <a:spcBef>
+                <a:spcPts val="0"/>
+              </a:spcBef>
+              <a:spcAft>
+                <a:spcPts val="0"/>
+              </a:spcAft>
+              <a:tabLst>
+                <a:tab pos="581660" algn="l"/>
+                <a:tab pos="1163320" algn="l"/>
+                <a:tab pos="1744980" algn="l"/>
+                <a:tab pos="2326640" algn="l"/>
+                <a:tab pos="2908300" algn="l"/>
+                <a:tab pos="3489960" algn="l"/>
+                <a:tab pos="4071620" algn="l"/>
+                <a:tab pos="4653280" algn="l"/>
+                <a:tab pos="5234940" algn="l"/>
+                <a:tab pos="5816600" algn="l"/>
+                <a:tab pos="6398260" algn="l"/>
+                <a:tab pos="6979920" algn="l"/>
+                <a:tab pos="7561580" algn="l"/>
+                <a:tab pos="8143240" algn="l"/>
+                <a:tab pos="8724900" algn="l"/>
+                <a:tab pos="9306560" algn="l"/>
+              </a:tabLst>
+            </a:pPr>
+            <a:r>
+              <a:rPr lang="en-US" sz="2000" b="1" dirty="0">
+                <a:effectLst/>
+                <a:latin typeface="Courier New" panose="02070309020205020404" pitchFamily="49" charset="0"/>
+                <a:ea typeface="Times New Roman" panose="02020603050405020304" pitchFamily="18" charset="0"/>
+                <a:cs typeface="Times New Roman" panose="02020603050405020304" pitchFamily="18" charset="0"/>
+              </a:rPr>
+              <a:t>Range Index: 244 entries, 0 to 243</a:t>
+            </a:r>
+            <a:endParaRPr lang="en-US" sz="2000" b="1" dirty="0">
+              <a:effectLst/>
+              <a:latin typeface="Calibri" panose="020F0502020204030204" pitchFamily="34" charset="0"/>
+              <a:ea typeface="Calibri" panose="020F0502020204030204" pitchFamily="34" charset="0"/>
+              <a:cs typeface="Times New Roman" panose="02020603050405020304" pitchFamily="18" charset="0"/>
+            </a:endParaRPr>
+          </a:p>
+          <a:p>
+            <a:endParaRPr lang="en-US" sz="2000" b="1" dirty="0">
+              <a:effectLst/>
+              <a:latin typeface="Courier New" panose="02070309020205020404" pitchFamily="49" charset="0"/>
+              <a:ea typeface="Times New Roman" panose="02020603050405020304" pitchFamily="18" charset="0"/>
+            </a:endParaRPr>
+          </a:p>
+          <a:p>
+            <a:r>
+              <a:rPr lang="en-US" sz="2000" b="1" dirty="0">
+                <a:effectLst/>
+                <a:latin typeface="Courier New" panose="02070309020205020404" pitchFamily="49" charset="0"/>
+                <a:ea typeface="Times New Roman" panose="02020603050405020304" pitchFamily="18" charset="0"/>
+              </a:rPr>
+              <a:t>Data columns (total 7 columns)on </a:t>
+            </a:r>
+          </a:p>
+          <a:p>
+            <a:r>
+              <a:rPr lang="en-US" sz="2000" b="1" dirty="0">
+                <a:effectLst/>
+                <a:latin typeface="Courier New" panose="02070309020205020404" pitchFamily="49" charset="0"/>
+                <a:ea typeface="Times New Roman" panose="02020603050405020304" pitchFamily="18" charset="0"/>
+              </a:rPr>
+              <a:t>the original dataset we add Total to see how much is the total bill including tip </a:t>
+            </a:r>
+            <a:endParaRPr lang="en-US" sz="2000" b="1" dirty="0"/>
           </a:p>
         </p:txBody>
       </p:sp>
